--- a/New Microsoft PowerPoint Presentation_fr.pptx
+++ b/New Microsoft PowerPoint Presentation_fr.pptx
@@ -2985,7 +2985,7 @@
                   <a:srgbClr val="000000"/>
                 </a:solidFill>
               </a:rPr>
-              <a:t>Mãáx 2</a:t>
+              <a:t>Måãx 2</a:t>
             </a:r>
           </a:p>
         </p:txBody>
@@ -3011,7 +3011,7 @@
                   <a:srgbClr val="000000"/>
                 </a:solidFill>
               </a:rPr>
-              <a:t>dôòc</a:t>
+              <a:t>dòòc</a:t>
             </a:r>
           </a:p>
         </p:txBody>

--- a/New Microsoft PowerPoint Presentation_fr.pptx
+++ b/New Microsoft PowerPoint Presentation_fr.pptx
@@ -2985,7 +2985,7 @@
                   <a:srgbClr val="000000"/>
                 </a:solidFill>
               </a:rPr>
-              <a:t>Måãx 2</a:t>
+              <a:t>Mææx 2</a:t>
             </a:r>
           </a:p>
         </p:txBody>
@@ -3011,7 +3011,7 @@
                   <a:srgbClr val="000000"/>
                 </a:solidFill>
               </a:rPr>
-              <a:t>dòòc</a:t>
+              <a:t>dòôc</a:t>
             </a:r>
           </a:p>
         </p:txBody>

--- a/New Microsoft PowerPoint Presentation_fr.pptx
+++ b/New Microsoft PowerPoint Presentation_fr.pptx
@@ -2985,7 +2985,7 @@
                   <a:srgbClr val="000000"/>
                 </a:solidFill>
               </a:rPr>
-              <a:t>Mææx 2</a:t>
+              <a:t>Mãåx 2</a:t>
             </a:r>
           </a:p>
         </p:txBody>
@@ -3011,7 +3011,7 @@
                   <a:srgbClr val="000000"/>
                 </a:solidFill>
               </a:rPr>
-              <a:t>dòôc</a:t>
+              <a:t>dööc</a:t>
             </a:r>
           </a:p>
         </p:txBody>

--- a/New Microsoft PowerPoint Presentation_fr.pptx
+++ b/New Microsoft PowerPoint Presentation_fr.pptx
@@ -2989,7 +2989,7 @@
                 <a:uFillTx/>
                 <a:latin typeface="Calibri Light"/>
               </a:rPr>
-              <a:t>téést</a:t>
+              <a:t>téëst</a:t>
             </a:r>
           </a:p>
         </p:txBody>
@@ -3017,7 +3017,7 @@
                 <a:uFillTx/>
                 <a:latin typeface="Calibri"/>
               </a:rPr>
-              <a:t>däàtäà</a:t>
+              <a:t>dáätáä</a:t>
             </a:r>
           </a:p>
         </p:txBody>

--- a/New Microsoft PowerPoint Presentation_fr.pptx
+++ b/New Microsoft PowerPoint Presentation_fr.pptx
@@ -2989,7 +2989,7 @@
                 <a:uFillTx/>
                 <a:latin typeface="Calibri Light"/>
               </a:rPr>
-              <a:t>téëst</a:t>
+              <a:t>tëêst</a:t>
             </a:r>
           </a:p>
         </p:txBody>
@@ -3017,7 +3017,7 @@
                 <a:uFillTx/>
                 <a:latin typeface="Calibri"/>
               </a:rPr>
-              <a:t>dáätáä</a:t>
+              <a:t>däåtäå</a:t>
             </a:r>
           </a:p>
         </p:txBody>
